--- a/Проект самобалансирующийся робот.pptx
+++ b/Проект самобалансирующийся робот.pptx
@@ -3923,20 +3923,8 @@
           <a:lstStyle/>
           <a:p>
             <a:r>
-              <a:rPr lang="ru-RU" sz="2000" dirty="0" err="1"/>
-              <a:t>ЕмЕльяненко</a:t>
-            </a:r>
-            <a:r>
               <a:rPr lang="ru-RU" sz="2000" dirty="0"/>
-              <a:t> </a:t>
-            </a:r>
-            <a:r>
-              <a:rPr lang="ru-RU" sz="2000" dirty="0" err="1"/>
-              <a:t>никита</a:t>
-            </a:r>
-            <a:r>
-              <a:rPr lang="ru-RU" sz="2000" dirty="0"/>
-              <a:t> 10 </a:t>
+              <a:t>Емельяненко Никита 10 </a:t>
             </a:r>
             <a:r>
               <a:rPr lang="en-US" sz="2000" dirty="0"/>
@@ -3952,23 +3940,7 @@
             </a:r>
             <a:r>
               <a:rPr lang="ru-RU" sz="2000" dirty="0"/>
-              <a:t>  </a:t>
-            </a:r>
-            <a:r>
-              <a:rPr lang="ru-RU" sz="2000" dirty="0" err="1"/>
-              <a:t>дима</a:t>
-            </a:r>
-            <a:r>
-              <a:rPr lang="ru-RU" sz="2000" dirty="0"/>
-              <a:t> </a:t>
-            </a:r>
-            <a:r>
-              <a:rPr lang="ru-RU" sz="2000" dirty="0" err="1"/>
-              <a:t>донченко</a:t>
-            </a:r>
-            <a:r>
-              <a:rPr lang="ru-RU" sz="2000" dirty="0"/>
-              <a:t> 10 </a:t>
+              <a:t>  Дима Донченко 10 </a:t>
             </a:r>
             <a:r>
               <a:rPr lang="en-US" sz="2000" dirty="0"/>
@@ -3987,23 +3959,7 @@
           <a:p>
             <a:r>
               <a:rPr lang="ru-RU" sz="2000" dirty="0"/>
-              <a:t>                                            </a:t>
-            </a:r>
-            <a:r>
-              <a:rPr lang="ru-RU" sz="2000" dirty="0" err="1"/>
-              <a:t>константи</a:t>
-            </a:r>
-            <a:r>
-              <a:rPr lang="ru-RU" sz="2000" dirty="0"/>
-              <a:t> </a:t>
-            </a:r>
-            <a:r>
-              <a:rPr lang="ru-RU" sz="2000" dirty="0" err="1"/>
-              <a:t>игнатьев</a:t>
-            </a:r>
-            <a:r>
-              <a:rPr lang="ru-RU" sz="2000" dirty="0"/>
-              <a:t> 10 </a:t>
+              <a:t>                                            Константин Игнатьев 10 </a:t>
             </a:r>
             <a:r>
               <a:rPr lang="en-US" sz="2000" dirty="0"/>
